--- a/clustering-lhq-wds.pptx
+++ b/clustering-lhq-wds.pptx
@@ -216,7 +216,7 @@
           <a:p>
             <a:fld id="{E6823264-CF2A-4012-ADC0-98B4B1FEBE9E}" type="datetimeFigureOut">
               <a:rPr lang="zh-CN" altLang="en-US" smtClean="0"/>
-              <a:t>2017/5/14</a:t>
+              <a:t>2017/5/17</a:t>
             </a:fld>
             <a:endParaRPr lang="zh-CN" altLang="en-US"/>
           </a:p>
@@ -615,7 +615,7 @@
           <a:p>
             <a:fld id="{A66AC968-2917-4071-A55F-C2705DD18F6B}" type="datetimeFigureOut">
               <a:rPr lang="zh-CN" altLang="en-US" smtClean="0"/>
-              <a:t>2017/5/14</a:t>
+              <a:t>2017/5/17</a:t>
             </a:fld>
             <a:endParaRPr lang="zh-CN" altLang="en-US"/>
           </a:p>
@@ -785,7 +785,7 @@
           <a:p>
             <a:fld id="{A66AC968-2917-4071-A55F-C2705DD18F6B}" type="datetimeFigureOut">
               <a:rPr lang="zh-CN" altLang="en-US" smtClean="0"/>
-              <a:t>2017/5/14</a:t>
+              <a:t>2017/5/17</a:t>
             </a:fld>
             <a:endParaRPr lang="zh-CN" altLang="en-US"/>
           </a:p>
@@ -965,7 +965,7 @@
           <a:p>
             <a:fld id="{A66AC968-2917-4071-A55F-C2705DD18F6B}" type="datetimeFigureOut">
               <a:rPr lang="zh-CN" altLang="en-US" smtClean="0"/>
-              <a:t>2017/5/14</a:t>
+              <a:t>2017/5/17</a:t>
             </a:fld>
             <a:endParaRPr lang="zh-CN" altLang="en-US"/>
           </a:p>
@@ -1135,7 +1135,7 @@
           <a:p>
             <a:fld id="{A66AC968-2917-4071-A55F-C2705DD18F6B}" type="datetimeFigureOut">
               <a:rPr lang="zh-CN" altLang="en-US" smtClean="0"/>
-              <a:t>2017/5/14</a:t>
+              <a:t>2017/5/17</a:t>
             </a:fld>
             <a:endParaRPr lang="zh-CN" altLang="en-US"/>
           </a:p>
@@ -1381,7 +1381,7 @@
           <a:p>
             <a:fld id="{A66AC968-2917-4071-A55F-C2705DD18F6B}" type="datetimeFigureOut">
               <a:rPr lang="zh-CN" altLang="en-US" smtClean="0"/>
-              <a:t>2017/5/14</a:t>
+              <a:t>2017/5/17</a:t>
             </a:fld>
             <a:endParaRPr lang="zh-CN" altLang="en-US"/>
           </a:p>
@@ -1613,7 +1613,7 @@
           <a:p>
             <a:fld id="{A66AC968-2917-4071-A55F-C2705DD18F6B}" type="datetimeFigureOut">
               <a:rPr lang="zh-CN" altLang="en-US" smtClean="0"/>
-              <a:t>2017/5/14</a:t>
+              <a:t>2017/5/17</a:t>
             </a:fld>
             <a:endParaRPr lang="zh-CN" altLang="en-US"/>
           </a:p>
@@ -1980,7 +1980,7 @@
           <a:p>
             <a:fld id="{A66AC968-2917-4071-A55F-C2705DD18F6B}" type="datetimeFigureOut">
               <a:rPr lang="zh-CN" altLang="en-US" smtClean="0"/>
-              <a:t>2017/5/14</a:t>
+              <a:t>2017/5/17</a:t>
             </a:fld>
             <a:endParaRPr lang="zh-CN" altLang="en-US"/>
           </a:p>
@@ -2098,7 +2098,7 @@
           <a:p>
             <a:fld id="{A66AC968-2917-4071-A55F-C2705DD18F6B}" type="datetimeFigureOut">
               <a:rPr lang="zh-CN" altLang="en-US" smtClean="0"/>
-              <a:t>2017/5/14</a:t>
+              <a:t>2017/5/17</a:t>
             </a:fld>
             <a:endParaRPr lang="zh-CN" altLang="en-US"/>
           </a:p>
@@ -2193,7 +2193,7 @@
           <a:p>
             <a:fld id="{A66AC968-2917-4071-A55F-C2705DD18F6B}" type="datetimeFigureOut">
               <a:rPr lang="zh-CN" altLang="en-US" smtClean="0"/>
-              <a:t>2017/5/14</a:t>
+              <a:t>2017/5/17</a:t>
             </a:fld>
             <a:endParaRPr lang="zh-CN" altLang="en-US"/>
           </a:p>
@@ -2470,7 +2470,7 @@
           <a:p>
             <a:fld id="{A66AC968-2917-4071-A55F-C2705DD18F6B}" type="datetimeFigureOut">
               <a:rPr lang="zh-CN" altLang="en-US" smtClean="0"/>
-              <a:t>2017/5/14</a:t>
+              <a:t>2017/5/17</a:t>
             </a:fld>
             <a:endParaRPr lang="zh-CN" altLang="en-US"/>
           </a:p>
@@ -2723,7 +2723,7 @@
           <a:p>
             <a:fld id="{A66AC968-2917-4071-A55F-C2705DD18F6B}" type="datetimeFigureOut">
               <a:rPr lang="zh-CN" altLang="en-US" smtClean="0"/>
-              <a:t>2017/5/14</a:t>
+              <a:t>2017/5/17</a:t>
             </a:fld>
             <a:endParaRPr lang="zh-CN" altLang="en-US"/>
           </a:p>
@@ -2945,7 +2945,7 @@
           <a:p>
             <a:fld id="{A66AC968-2917-4071-A55F-C2705DD18F6B}" type="datetimeFigureOut">
               <a:rPr lang="zh-CN" altLang="en-US" smtClean="0"/>
-              <a:t>2017/5/14</a:t>
+              <a:t>2017/5/17</a:t>
             </a:fld>
             <a:endParaRPr lang="zh-CN" altLang="en-US"/>
           </a:p>
@@ -6996,7 +6996,21 @@
                 <a:latin typeface="微软雅黑" panose="020B0503020204020204" pitchFamily="34" charset="-122"/>
                 <a:ea typeface="微软雅黑" panose="020B0503020204020204" pitchFamily="34" charset="-122"/>
               </a:rPr>
-              <a:t>本实验只是用了层次聚类，没有与其他聚类方法对比。比如采用其他度量值替换类别选择的方法，</a:t>
+              <a:t>本实验只是用了层次聚类，没有与其他聚类方法对比。比如采用其他度量值替换</a:t>
+            </a:r>
+            <a:r>
+              <a:rPr lang="zh-CN" altLang="en-US" sz="1600" dirty="0" smtClean="0">
+                <a:latin typeface="微软雅黑" panose="020B0503020204020204" pitchFamily="34" charset="-122"/>
+                <a:ea typeface="微软雅黑" panose="020B0503020204020204" pitchFamily="34" charset="-122"/>
+              </a:rPr>
+              <a:t>类个数选择</a:t>
+            </a:r>
+            <a:r>
+              <a:rPr lang="zh-CN" altLang="en-US" sz="1600" dirty="0" smtClean="0">
+                <a:latin typeface="微软雅黑" panose="020B0503020204020204" pitchFamily="34" charset="-122"/>
+                <a:ea typeface="微软雅黑" panose="020B0503020204020204" pitchFamily="34" charset="-122"/>
+              </a:rPr>
+              <a:t>的方法，</a:t>
             </a:r>
             <a:r>
               <a:rPr lang="en-US" altLang="zh-CN" sz="1600" dirty="0" smtClean="0"/>
@@ -7090,14 +7104,7 @@
                 <a:latin typeface="微软雅黑" panose="020B0503020204020204" pitchFamily="34" charset="-122"/>
                 <a:ea typeface="微软雅黑" panose="020B0503020204020204" pitchFamily="34" charset="-122"/>
               </a:rPr>
-              <a:t>信息，没有</a:t>
-            </a:r>
-            <a:r>
-              <a:rPr lang="zh-CN" altLang="en-US" sz="1600" dirty="0" smtClean="0">
-                <a:latin typeface="微软雅黑" panose="020B0503020204020204" pitchFamily="34" charset="-122"/>
-                <a:ea typeface="微软雅黑" panose="020B0503020204020204" pitchFamily="34" charset="-122"/>
-              </a:rPr>
-              <a:t>尝试采用其他的特征。比如</a:t>
+              <a:t>信息，没有尝试采用其他的特征。比如</a:t>
             </a:r>
             <a:r>
               <a:rPr lang="en-US" altLang="zh-CN" sz="1600" dirty="0" smtClean="0">
@@ -7648,7 +7655,7 @@
         <p:spPr>
           <a:xfrm>
             <a:off x="663819" y="1215903"/>
-            <a:ext cx="7851532" cy="3831818"/>
+            <a:ext cx="7017141" cy="5124480"/>
           </a:xfrm>
           <a:prstGeom prst="rect">
             <a:avLst/>
@@ -7707,121 +7714,188 @@
                 <a:latin typeface="微软雅黑" panose="020B0503020204020204" pitchFamily="34" charset="-122"/>
                 <a:ea typeface="微软雅黑" panose="020B0503020204020204" pitchFamily="34" charset="-122"/>
               </a:rPr>
-              <a:t>方法：文本处理（提取</a:t>
-            </a:r>
-            <a:r>
-              <a:rPr lang="en-US" altLang="zh-CN" dirty="0" smtClean="0">
+              <a:t>方法</a:t>
+            </a:r>
+            <a:r>
+              <a:rPr lang="zh-CN" altLang="en-US" dirty="0" smtClean="0">
+                <a:latin typeface="微软雅黑" panose="020B0503020204020204" pitchFamily="34" charset="-122"/>
+                <a:ea typeface="微软雅黑" panose="020B0503020204020204" pitchFamily="34" charset="-122"/>
+              </a:rPr>
+              <a:t>：</a:t>
+            </a:r>
+            <a:endParaRPr lang="en-US" altLang="zh-CN" dirty="0" smtClean="0">
+              <a:latin typeface="微软雅黑" panose="020B0503020204020204" pitchFamily="34" charset="-122"/>
+              <a:ea typeface="微软雅黑" panose="020B0503020204020204" pitchFamily="34" charset="-122"/>
+            </a:endParaRPr>
+          </a:p>
+          <a:p>
+            <a:pPr marL="742950" lvl="1" indent="-285750">
+              <a:lnSpc>
+                <a:spcPct val="150000"/>
+              </a:lnSpc>
+              <a:buFont typeface="Arial" panose="020B0604020202020204" pitchFamily="34" charset="0"/>
+              <a:buChar char="•"/>
+            </a:pPr>
+            <a:r>
+              <a:rPr lang="zh-CN" altLang="en-US" sz="1600" dirty="0" smtClean="0">
+                <a:latin typeface="微软雅黑" panose="020B0503020204020204" pitchFamily="34" charset="-122"/>
+                <a:ea typeface="微软雅黑" panose="020B0503020204020204" pitchFamily="34" charset="-122"/>
+              </a:rPr>
+              <a:t>文本处理</a:t>
+            </a:r>
+            <a:r>
+              <a:rPr lang="zh-CN" altLang="en-US" sz="1600" dirty="0">
+                <a:latin typeface="微软雅黑" panose="020B0503020204020204" pitchFamily="34" charset="-122"/>
+                <a:ea typeface="微软雅黑" panose="020B0503020204020204" pitchFamily="34" charset="-122"/>
+              </a:rPr>
+              <a:t>，</a:t>
+            </a:r>
+            <a:r>
+              <a:rPr lang="zh-CN" altLang="en-US" sz="1600" dirty="0" smtClean="0">
+                <a:latin typeface="微软雅黑" panose="020B0503020204020204" pitchFamily="34" charset="-122"/>
+                <a:ea typeface="微软雅黑" panose="020B0503020204020204" pitchFamily="34" charset="-122"/>
+              </a:rPr>
+              <a:t>提取</a:t>
+            </a:r>
+            <a:r>
+              <a:rPr lang="en-US" altLang="zh-CN" sz="1600" dirty="0" smtClean="0">
                 <a:latin typeface="微软雅黑" panose="020B0503020204020204" pitchFamily="34" charset="-122"/>
                 <a:ea typeface="微软雅黑" panose="020B0503020204020204" pitchFamily="34" charset="-122"/>
               </a:rPr>
               <a:t>html</a:t>
             </a:r>
             <a:r>
-              <a:rPr lang="zh-CN" altLang="en-US" dirty="0" smtClean="0">
+              <a:rPr lang="zh-CN" altLang="en-US" sz="1600" dirty="0" smtClean="0">
                 <a:latin typeface="微软雅黑" panose="020B0503020204020204" pitchFamily="34" charset="-122"/>
                 <a:ea typeface="微软雅黑" panose="020B0503020204020204" pitchFamily="34" charset="-122"/>
               </a:rPr>
               <a:t>文件中文字信息和</a:t>
             </a:r>
             <a:r>
-              <a:rPr lang="en-US" altLang="zh-CN" dirty="0" smtClean="0">
+              <a:rPr lang="en-US" altLang="zh-CN" sz="1600" dirty="0" smtClean="0">
                 <a:latin typeface="微软雅黑" panose="020B0503020204020204" pitchFamily="34" charset="-122"/>
                 <a:ea typeface="微软雅黑" panose="020B0503020204020204" pitchFamily="34" charset="-122"/>
               </a:rPr>
               <a:t>metadata</a:t>
             </a:r>
             <a:r>
-              <a:rPr lang="zh-CN" altLang="en-US" dirty="0" smtClean="0">
-                <a:latin typeface="微软雅黑" panose="020B0503020204020204" pitchFamily="34" charset="-122"/>
-                <a:ea typeface="微软雅黑" panose="020B0503020204020204" pitchFamily="34" charset="-122"/>
-              </a:rPr>
-              <a:t>文件中</a:t>
-            </a:r>
-            <a:r>
-              <a:rPr lang="en-US" altLang="zh-CN" dirty="0" smtClean="0">
-                <a:latin typeface="微软雅黑" panose="020B0503020204020204" pitchFamily="34" charset="-122"/>
-                <a:ea typeface="微软雅黑" panose="020B0503020204020204" pitchFamily="34" charset="-122"/>
-              </a:rPr>
-              <a:t>title</a:t>
-            </a:r>
-            <a:r>
-              <a:rPr lang="zh-CN" altLang="en-US" dirty="0" smtClean="0">
-                <a:latin typeface="微软雅黑" panose="020B0503020204020204" pitchFamily="34" charset="-122"/>
-                <a:ea typeface="微软雅黑" panose="020B0503020204020204" pitchFamily="34" charset="-122"/>
-              </a:rPr>
-              <a:t>，</a:t>
-            </a:r>
-            <a:r>
-              <a:rPr lang="en-US" altLang="zh-CN" dirty="0" err="1" smtClean="0">
-                <a:latin typeface="微软雅黑" panose="020B0503020204020204" pitchFamily="34" charset="-122"/>
-                <a:ea typeface="微软雅黑" panose="020B0503020204020204" pitchFamily="34" charset="-122"/>
-              </a:rPr>
-              <a:t>url</a:t>
-            </a:r>
-            <a:r>
-              <a:rPr lang="zh-CN" altLang="en-US" dirty="0" smtClean="0">
-                <a:latin typeface="微软雅黑" panose="020B0503020204020204" pitchFamily="34" charset="-122"/>
-                <a:ea typeface="微软雅黑" panose="020B0503020204020204" pitchFamily="34" charset="-122"/>
-              </a:rPr>
-              <a:t>，</a:t>
-            </a:r>
-            <a:r>
-              <a:rPr lang="en-US" altLang="zh-CN" dirty="0" smtClean="0">
-                <a:latin typeface="微软雅黑" panose="020B0503020204020204" pitchFamily="34" charset="-122"/>
-                <a:ea typeface="微软雅黑" panose="020B0503020204020204" pitchFamily="34" charset="-122"/>
-              </a:rPr>
-              <a:t>snippet</a:t>
-            </a:r>
-            <a:r>
-              <a:rPr lang="zh-CN" altLang="en-US" dirty="0" smtClean="0">
-                <a:latin typeface="微软雅黑" panose="020B0503020204020204" pitchFamily="34" charset="-122"/>
-                <a:ea typeface="微软雅黑" panose="020B0503020204020204" pitchFamily="34" charset="-122"/>
-              </a:rPr>
-              <a:t>）；去特殊字符，提主干；过滤不含人名的</a:t>
-            </a:r>
-            <a:r>
-              <a:rPr lang="en-US" altLang="zh-CN" dirty="0" smtClean="0">
+              <a:rPr lang="zh-CN" altLang="en-US" sz="1600" dirty="0" smtClean="0">
+                <a:latin typeface="微软雅黑" panose="020B0503020204020204" pitchFamily="34" charset="-122"/>
+                <a:ea typeface="微软雅黑" panose="020B0503020204020204" pitchFamily="34" charset="-122"/>
+              </a:rPr>
+              <a:t>文件信息；去</a:t>
+            </a:r>
+            <a:r>
+              <a:rPr lang="zh-CN" altLang="en-US" sz="1600" dirty="0" smtClean="0">
+                <a:latin typeface="微软雅黑" panose="020B0503020204020204" pitchFamily="34" charset="-122"/>
+                <a:ea typeface="微软雅黑" panose="020B0503020204020204" pitchFamily="34" charset="-122"/>
+              </a:rPr>
+              <a:t>特殊字符，提主干；过滤不含人名的</a:t>
+            </a:r>
+            <a:r>
+              <a:rPr lang="en-US" altLang="zh-CN" sz="1600" dirty="0" smtClean="0">
                 <a:latin typeface="微软雅黑" panose="020B0503020204020204" pitchFamily="34" charset="-122"/>
                 <a:ea typeface="微软雅黑" panose="020B0503020204020204" pitchFamily="34" charset="-122"/>
               </a:rPr>
               <a:t>html</a:t>
             </a:r>
             <a:r>
-              <a:rPr lang="zh-CN" altLang="en-US" dirty="0" smtClean="0">
-                <a:latin typeface="微软雅黑" panose="020B0503020204020204" pitchFamily="34" charset="-122"/>
-                <a:ea typeface="微软雅黑" panose="020B0503020204020204" pitchFamily="34" charset="-122"/>
-              </a:rPr>
-              <a:t>；计算文档</a:t>
-            </a:r>
-            <a:r>
-              <a:rPr lang="en-US" altLang="zh-CN" dirty="0" smtClean="0">
+              <a:rPr lang="zh-CN" altLang="en-US" sz="1600" dirty="0" smtClean="0">
+                <a:latin typeface="微软雅黑" panose="020B0503020204020204" pitchFamily="34" charset="-122"/>
+                <a:ea typeface="微软雅黑" panose="020B0503020204020204" pitchFamily="34" charset="-122"/>
+              </a:rPr>
+              <a:t>；</a:t>
+            </a:r>
+            <a:endParaRPr lang="en-US" altLang="zh-CN" sz="1600" dirty="0" smtClean="0">
+              <a:latin typeface="微软雅黑" panose="020B0503020204020204" pitchFamily="34" charset="-122"/>
+              <a:ea typeface="微软雅黑" panose="020B0503020204020204" pitchFamily="34" charset="-122"/>
+            </a:endParaRPr>
+          </a:p>
+          <a:p>
+            <a:pPr marL="742950" lvl="1" indent="-285750">
+              <a:lnSpc>
+                <a:spcPct val="150000"/>
+              </a:lnSpc>
+              <a:buFont typeface="Arial" panose="020B0604020202020204" pitchFamily="34" charset="0"/>
+              <a:buChar char="•"/>
+            </a:pPr>
+            <a:r>
+              <a:rPr lang="zh-CN" altLang="en-US" sz="1600" dirty="0" smtClean="0">
+                <a:latin typeface="微软雅黑" panose="020B0503020204020204" pitchFamily="34" charset="-122"/>
+                <a:ea typeface="微软雅黑" panose="020B0503020204020204" pitchFamily="34" charset="-122"/>
+              </a:rPr>
+              <a:t>计算</a:t>
+            </a:r>
+            <a:r>
+              <a:rPr lang="zh-CN" altLang="en-US" sz="1600" dirty="0" smtClean="0">
+                <a:latin typeface="微软雅黑" panose="020B0503020204020204" pitchFamily="34" charset="-122"/>
+                <a:ea typeface="微软雅黑" panose="020B0503020204020204" pitchFamily="34" charset="-122"/>
+              </a:rPr>
+              <a:t>文档</a:t>
+            </a:r>
+            <a:r>
+              <a:rPr lang="en-US" altLang="zh-CN" sz="1600" dirty="0" smtClean="0">
                 <a:latin typeface="微软雅黑" panose="020B0503020204020204" pitchFamily="34" charset="-122"/>
                 <a:ea typeface="微软雅黑" panose="020B0503020204020204" pitchFamily="34" charset="-122"/>
               </a:rPr>
               <a:t>-</a:t>
             </a:r>
             <a:r>
-              <a:rPr lang="zh-CN" altLang="en-US" dirty="0" smtClean="0">
+              <a:rPr lang="zh-CN" altLang="en-US" sz="1600" dirty="0" smtClean="0">
                 <a:latin typeface="微软雅黑" panose="020B0503020204020204" pitchFamily="34" charset="-122"/>
                 <a:ea typeface="微软雅黑" panose="020B0503020204020204" pitchFamily="34" charset="-122"/>
               </a:rPr>
               <a:t>词</a:t>
             </a:r>
             <a:r>
-              <a:rPr lang="en-US" altLang="zh-CN" dirty="0" err="1" smtClean="0">
+              <a:rPr lang="en-US" altLang="zh-CN" sz="1600" dirty="0" err="1" smtClean="0">
                 <a:latin typeface="微软雅黑" panose="020B0503020204020204" pitchFamily="34" charset="-122"/>
                 <a:ea typeface="微软雅黑" panose="020B0503020204020204" pitchFamily="34" charset="-122"/>
               </a:rPr>
               <a:t>tfidf</a:t>
             </a:r>
             <a:r>
-              <a:rPr lang="zh-CN" altLang="en-US" dirty="0" smtClean="0">
-                <a:latin typeface="微软雅黑" panose="020B0503020204020204" pitchFamily="34" charset="-122"/>
-                <a:ea typeface="微软雅黑" panose="020B0503020204020204" pitchFamily="34" charset="-122"/>
-              </a:rPr>
-              <a:t>特征；层次聚类，不同的度量方式和阈值；格式转换；评测</a:t>
-            </a:r>
-            <a:endParaRPr lang="en-US" altLang="zh-CN" dirty="0" smtClean="0">
+              <a:rPr lang="zh-CN" altLang="en-US" sz="1600" dirty="0" smtClean="0">
+                <a:latin typeface="微软雅黑" panose="020B0503020204020204" pitchFamily="34" charset="-122"/>
+                <a:ea typeface="微软雅黑" panose="020B0503020204020204" pitchFamily="34" charset="-122"/>
+              </a:rPr>
+              <a:t>特征</a:t>
+            </a:r>
+            <a:r>
+              <a:rPr lang="zh-CN" altLang="en-US" sz="1600" dirty="0" smtClean="0">
+                <a:latin typeface="微软雅黑" panose="020B0503020204020204" pitchFamily="34" charset="-122"/>
+                <a:ea typeface="微软雅黑" panose="020B0503020204020204" pitchFamily="34" charset="-122"/>
+              </a:rPr>
+              <a:t>；</a:t>
+            </a:r>
+            <a:endParaRPr lang="en-US" altLang="zh-CN" sz="1600" dirty="0" smtClean="0">
+              <a:latin typeface="微软雅黑" panose="020B0503020204020204" pitchFamily="34" charset="-122"/>
+              <a:ea typeface="微软雅黑" panose="020B0503020204020204" pitchFamily="34" charset="-122"/>
+            </a:endParaRPr>
+          </a:p>
+          <a:p>
+            <a:pPr marL="742950" lvl="1" indent="-285750">
+              <a:lnSpc>
+                <a:spcPct val="150000"/>
+              </a:lnSpc>
+              <a:buFont typeface="Arial" panose="020B0604020202020204" pitchFamily="34" charset="0"/>
+              <a:buChar char="•"/>
+            </a:pPr>
+            <a:r>
+              <a:rPr lang="zh-CN" altLang="en-US" sz="1600" dirty="0" smtClean="0">
+                <a:latin typeface="微软雅黑" panose="020B0503020204020204" pitchFamily="34" charset="-122"/>
+                <a:ea typeface="微软雅黑" panose="020B0503020204020204" pitchFamily="34" charset="-122"/>
+              </a:rPr>
+              <a:t>层次</a:t>
+            </a:r>
+            <a:r>
+              <a:rPr lang="zh-CN" altLang="en-US" sz="1600" dirty="0" smtClean="0">
+                <a:latin typeface="微软雅黑" panose="020B0503020204020204" pitchFamily="34" charset="-122"/>
+                <a:ea typeface="微软雅黑" panose="020B0503020204020204" pitchFamily="34" charset="-122"/>
+              </a:rPr>
+              <a:t>聚类，不同的度量方式和阈值；格式转换；评测</a:t>
+            </a:r>
+            <a:endParaRPr lang="en-US" altLang="zh-CN" sz="1600" dirty="0" smtClean="0">
               <a:latin typeface="微软雅黑" panose="020B0503020204020204" pitchFamily="34" charset="-122"/>
               <a:ea typeface="微软雅黑" panose="020B0503020204020204" pitchFamily="34" charset="-122"/>
             </a:endParaRPr>
@@ -7839,65 +7913,195 @@
                 <a:latin typeface="微软雅黑" panose="020B0503020204020204" pitchFamily="34" charset="-122"/>
                 <a:ea typeface="微软雅黑" panose="020B0503020204020204" pitchFamily="34" charset="-122"/>
               </a:rPr>
-              <a:t>实验结果比较：提取的文本：</a:t>
-            </a:r>
-            <a:r>
-              <a:rPr lang="en-US" altLang="zh-CN" dirty="0" smtClean="0">
+              <a:t>实验结果比较</a:t>
+            </a:r>
+            <a:r>
+              <a:rPr lang="zh-CN" altLang="en-US" dirty="0" smtClean="0">
+                <a:latin typeface="微软雅黑" panose="020B0503020204020204" pitchFamily="34" charset="-122"/>
+                <a:ea typeface="微软雅黑" panose="020B0503020204020204" pitchFamily="34" charset="-122"/>
+              </a:rPr>
+              <a:t>：</a:t>
+            </a:r>
+            <a:endParaRPr lang="en-US" altLang="zh-CN" dirty="0" smtClean="0">
+              <a:latin typeface="微软雅黑" panose="020B0503020204020204" pitchFamily="34" charset="-122"/>
+              <a:ea typeface="微软雅黑" panose="020B0503020204020204" pitchFamily="34" charset="-122"/>
+            </a:endParaRPr>
+          </a:p>
+          <a:p>
+            <a:pPr marL="742950" lvl="1" indent="-285750">
+              <a:lnSpc>
+                <a:spcPct val="150000"/>
+              </a:lnSpc>
+              <a:buFont typeface="Arial" panose="020B0604020202020204" pitchFamily="34" charset="0"/>
+              <a:buChar char="•"/>
+            </a:pPr>
+            <a:r>
+              <a:rPr lang="zh-CN" altLang="en-US" sz="1600" dirty="0" smtClean="0">
+                <a:latin typeface="微软雅黑" panose="020B0503020204020204" pitchFamily="34" charset="-122"/>
+                <a:ea typeface="微软雅黑" panose="020B0503020204020204" pitchFamily="34" charset="-122"/>
+              </a:rPr>
+              <a:t>提取</a:t>
+            </a:r>
+            <a:r>
+              <a:rPr lang="zh-CN" altLang="en-US" sz="1600" dirty="0" smtClean="0">
+                <a:latin typeface="微软雅黑" panose="020B0503020204020204" pitchFamily="34" charset="-122"/>
+                <a:ea typeface="微软雅黑" panose="020B0503020204020204" pitchFamily="34" charset="-122"/>
+              </a:rPr>
+              <a:t>的</a:t>
+            </a:r>
+            <a:r>
+              <a:rPr lang="zh-CN" altLang="en-US" sz="1600" dirty="0" smtClean="0">
+                <a:latin typeface="微软雅黑" panose="020B0503020204020204" pitchFamily="34" charset="-122"/>
+                <a:ea typeface="微软雅黑" panose="020B0503020204020204" pitchFamily="34" charset="-122"/>
+              </a:rPr>
+              <a:t>文本，</a:t>
+            </a:r>
+            <a:r>
+              <a:rPr lang="en-US" altLang="zh-CN" sz="1600" dirty="0" smtClean="0">
                 <a:latin typeface="微软雅黑" panose="020B0503020204020204" pitchFamily="34" charset="-122"/>
                 <a:ea typeface="微软雅黑" panose="020B0503020204020204" pitchFamily="34" charset="-122"/>
               </a:rPr>
               <a:t>html</a:t>
             </a:r>
             <a:r>
-              <a:rPr lang="zh-CN" altLang="en-US" dirty="0" smtClean="0">
+              <a:rPr lang="zh-CN" altLang="en-US" sz="1600" dirty="0">
                 <a:latin typeface="微软雅黑" panose="020B0503020204020204" pitchFamily="34" charset="-122"/>
                 <a:ea typeface="微软雅黑" panose="020B0503020204020204" pitchFamily="34" charset="-122"/>
               </a:rPr>
               <a:t>，</a:t>
             </a:r>
             <a:r>
-              <a:rPr lang="en-US" altLang="zh-CN" dirty="0" err="1" smtClean="0">
-                <a:latin typeface="微软雅黑" panose="020B0503020204020204" pitchFamily="34" charset="-122"/>
-                <a:ea typeface="微软雅黑" panose="020B0503020204020204" pitchFamily="34" charset="-122"/>
-              </a:rPr>
-              <a:t>html+metadta</a:t>
-            </a:r>
-            <a:r>
-              <a:rPr lang="zh-CN" altLang="en-US" dirty="0" smtClean="0">
-                <a:latin typeface="微软雅黑" panose="020B0503020204020204" pitchFamily="34" charset="-122"/>
-                <a:ea typeface="微软雅黑" panose="020B0503020204020204" pitchFamily="34" charset="-122"/>
-              </a:rPr>
-              <a:t>；</a:t>
-            </a:r>
-            <a:r>
-              <a:rPr lang="en-US" altLang="zh-CN" dirty="0" err="1" smtClean="0">
+              <a:rPr lang="en-US" altLang="zh-CN" sz="1600" dirty="0" err="1" smtClean="0">
+                <a:latin typeface="微软雅黑" panose="020B0503020204020204" pitchFamily="34" charset="-122"/>
+                <a:ea typeface="微软雅黑" panose="020B0503020204020204" pitchFamily="34" charset="-122"/>
+              </a:rPr>
+              <a:t>html+metedata</a:t>
+            </a:r>
+            <a:endParaRPr lang="en-US" altLang="zh-CN" sz="1600" dirty="0" smtClean="0">
+              <a:latin typeface="微软雅黑" panose="020B0503020204020204" pitchFamily="34" charset="-122"/>
+              <a:ea typeface="微软雅黑" panose="020B0503020204020204" pitchFamily="34" charset="-122"/>
+            </a:endParaRPr>
+          </a:p>
+          <a:p>
+            <a:pPr marL="742950" lvl="1" indent="-285750">
+              <a:lnSpc>
+                <a:spcPct val="150000"/>
+              </a:lnSpc>
+              <a:buFont typeface="Arial" panose="020B0604020202020204" pitchFamily="34" charset="0"/>
+              <a:buChar char="•"/>
+            </a:pPr>
+            <a:r>
+              <a:rPr lang="en-US" altLang="zh-CN" sz="1600" dirty="0" err="1" smtClean="0">
                 <a:latin typeface="微软雅黑" panose="020B0503020204020204" pitchFamily="34" charset="-122"/>
                 <a:ea typeface="微软雅黑" panose="020B0503020204020204" pitchFamily="34" charset="-122"/>
               </a:rPr>
               <a:t>tfidf</a:t>
             </a:r>
             <a:r>
-              <a:rPr lang="zh-CN" altLang="en-US" dirty="0" smtClean="0">
-                <a:latin typeface="微软雅黑" panose="020B0503020204020204" pitchFamily="34" charset="-122"/>
-                <a:ea typeface="微软雅黑" panose="020B0503020204020204" pitchFamily="34" charset="-122"/>
-              </a:rPr>
-              <a:t>公式：</a:t>
-            </a:r>
-            <a:r>
-              <a:rPr lang="zh-CN" altLang="en-US" dirty="0" smtClean="0">
-                <a:latin typeface="微软雅黑" panose="020B0503020204020204" pitchFamily="34" charset="-122"/>
-                <a:ea typeface="微软雅黑" panose="020B0503020204020204" pitchFamily="34" charset="-122"/>
-              </a:rPr>
-              <a:t>线性化，平滑；聚类距离度量（最大，最小，平均，自适应），距离阈值设定</a:t>
-            </a:r>
-            <a:r>
-              <a:rPr lang="zh-CN" altLang="en-US" dirty="0" smtClean="0">
-                <a:latin typeface="微软雅黑" panose="020B0503020204020204" pitchFamily="34" charset="-122"/>
-                <a:ea typeface="微软雅黑" panose="020B0503020204020204" pitchFamily="34" charset="-122"/>
-              </a:rPr>
-              <a:t>）</a:t>
-            </a:r>
-            <a:endParaRPr lang="en-US" altLang="zh-CN" dirty="0" smtClean="0">
+              <a:rPr lang="zh-CN" altLang="en-US" sz="1600" dirty="0" smtClean="0">
+                <a:latin typeface="微软雅黑" panose="020B0503020204020204" pitchFamily="34" charset="-122"/>
+                <a:ea typeface="微软雅黑" panose="020B0503020204020204" pitchFamily="34" charset="-122"/>
+              </a:rPr>
+              <a:t>公式</a:t>
+            </a:r>
+            <a:r>
+              <a:rPr lang="zh-CN" altLang="en-US" sz="1600" dirty="0" smtClean="0">
+                <a:latin typeface="微软雅黑" panose="020B0503020204020204" pitchFamily="34" charset="-122"/>
+                <a:ea typeface="微软雅黑" panose="020B0503020204020204" pitchFamily="34" charset="-122"/>
+              </a:rPr>
+              <a:t>规范化</a:t>
+            </a:r>
+            <a:r>
+              <a:rPr lang="zh-CN" altLang="en-US" sz="1600" dirty="0">
+                <a:latin typeface="微软雅黑" panose="020B0503020204020204" pitchFamily="34" charset="-122"/>
+                <a:ea typeface="微软雅黑" panose="020B0503020204020204" pitchFamily="34" charset="-122"/>
+              </a:rPr>
+              <a:t>，</a:t>
+            </a:r>
+            <a:r>
+              <a:rPr lang="zh-CN" altLang="en-US" sz="1600" dirty="0" smtClean="0">
+                <a:latin typeface="微软雅黑" panose="020B0503020204020204" pitchFamily="34" charset="-122"/>
+                <a:ea typeface="微软雅黑" panose="020B0503020204020204" pitchFamily="34" charset="-122"/>
+              </a:rPr>
+              <a:t>均值规范</a:t>
+            </a:r>
+            <a:endParaRPr lang="en-US" altLang="zh-CN" sz="1600" dirty="0" smtClean="0">
+              <a:latin typeface="微软雅黑" panose="020B0503020204020204" pitchFamily="34" charset="-122"/>
+              <a:ea typeface="微软雅黑" panose="020B0503020204020204" pitchFamily="34" charset="-122"/>
+            </a:endParaRPr>
+          </a:p>
+          <a:p>
+            <a:pPr marL="742950" lvl="1" indent="-285750">
+              <a:lnSpc>
+                <a:spcPct val="150000"/>
+              </a:lnSpc>
+              <a:buFont typeface="Arial" panose="020B0604020202020204" pitchFamily="34" charset="0"/>
+              <a:buChar char="•"/>
+            </a:pPr>
+            <a:r>
+              <a:rPr lang="zh-CN" altLang="en-US" sz="1600" dirty="0" smtClean="0">
+                <a:latin typeface="微软雅黑" panose="020B0503020204020204" pitchFamily="34" charset="-122"/>
+                <a:ea typeface="微软雅黑" panose="020B0503020204020204" pitchFamily="34" charset="-122"/>
+              </a:rPr>
+              <a:t>聚类</a:t>
+            </a:r>
+            <a:r>
+              <a:rPr lang="zh-CN" altLang="en-US" sz="1600" dirty="0" smtClean="0">
+                <a:latin typeface="微软雅黑" panose="020B0503020204020204" pitchFamily="34" charset="-122"/>
+                <a:ea typeface="微软雅黑" panose="020B0503020204020204" pitchFamily="34" charset="-122"/>
+              </a:rPr>
+              <a:t>距离</a:t>
+            </a:r>
+            <a:r>
+              <a:rPr lang="zh-CN" altLang="en-US" sz="1600" dirty="0" smtClean="0">
+                <a:latin typeface="微软雅黑" panose="020B0503020204020204" pitchFamily="34" charset="-122"/>
+                <a:ea typeface="微软雅黑" panose="020B0503020204020204" pitchFamily="34" charset="-122"/>
+              </a:rPr>
+              <a:t>度量，最大</a:t>
+            </a:r>
+            <a:r>
+              <a:rPr lang="zh-CN" altLang="en-US" sz="1600" dirty="0" smtClean="0">
+                <a:latin typeface="微软雅黑" panose="020B0503020204020204" pitchFamily="34" charset="-122"/>
+                <a:ea typeface="微软雅黑" panose="020B0503020204020204" pitchFamily="34" charset="-122"/>
+              </a:rPr>
+              <a:t>，最小，平均</a:t>
+            </a:r>
+            <a:r>
+              <a:rPr lang="zh-CN" altLang="en-US" sz="1600" dirty="0" smtClean="0">
+                <a:latin typeface="微软雅黑" panose="020B0503020204020204" pitchFamily="34" charset="-122"/>
+                <a:ea typeface="微软雅黑" panose="020B0503020204020204" pitchFamily="34" charset="-122"/>
+              </a:rPr>
+              <a:t>，</a:t>
+            </a:r>
+            <a:r>
+              <a:rPr lang="zh-CN" altLang="en-US" sz="1600" dirty="0" smtClean="0">
+                <a:latin typeface="微软雅黑" panose="020B0503020204020204" pitchFamily="34" charset="-122"/>
+                <a:ea typeface="微软雅黑" panose="020B0503020204020204" pitchFamily="34" charset="-122"/>
+              </a:rPr>
+              <a:t>中心点</a:t>
+            </a:r>
+            <a:r>
+              <a:rPr lang="zh-CN" altLang="en-US" sz="1600" dirty="0" smtClean="0">
+                <a:latin typeface="微软雅黑" panose="020B0503020204020204" pitchFamily="34" charset="-122"/>
+                <a:ea typeface="微软雅黑" panose="020B0503020204020204" pitchFamily="34" charset="-122"/>
+              </a:rPr>
+              <a:t>，</a:t>
+            </a:r>
+            <a:r>
+              <a:rPr lang="zh-CN" altLang="en-US" sz="1600" dirty="0" smtClean="0">
+                <a:latin typeface="微软雅黑" panose="020B0503020204020204" pitchFamily="34" charset="-122"/>
+                <a:ea typeface="微软雅黑" panose="020B0503020204020204" pitchFamily="34" charset="-122"/>
+              </a:rPr>
+              <a:t>距离阈值</a:t>
+            </a:r>
+            <a:r>
+              <a:rPr lang="zh-CN" altLang="en-US" sz="1600" dirty="0" smtClean="0">
+                <a:latin typeface="微软雅黑" panose="020B0503020204020204" pitchFamily="34" charset="-122"/>
+                <a:ea typeface="微软雅黑" panose="020B0503020204020204" pitchFamily="34" charset="-122"/>
+              </a:rPr>
+              <a:t>设定</a:t>
+            </a:r>
+            <a:endParaRPr lang="en-US" altLang="zh-CN" sz="1600" dirty="0" smtClean="0">
               <a:latin typeface="微软雅黑" panose="020B0503020204020204" pitchFamily="34" charset="-122"/>
               <a:ea typeface="微软雅黑" panose="020B0503020204020204" pitchFamily="34" charset="-122"/>
             </a:endParaRPr>
@@ -7929,23 +8133,50 @@
                 <a:latin typeface="微软雅黑" panose="020B0503020204020204" pitchFamily="34" charset="-122"/>
                 <a:ea typeface="微软雅黑" panose="020B0503020204020204" pitchFamily="34" charset="-122"/>
               </a:rPr>
-              <a:t>分析（总结最好的组合；改进的方案，</a:t>
-            </a:r>
-            <a:r>
-              <a:rPr lang="en-US" altLang="zh-CN" dirty="0" smtClean="0">
+              <a:t>分析</a:t>
+            </a:r>
+            <a:endParaRPr lang="en-US" altLang="zh-CN" dirty="0" smtClean="0">
+              <a:latin typeface="微软雅黑" panose="020B0503020204020204" pitchFamily="34" charset="-122"/>
+              <a:ea typeface="微软雅黑" panose="020B0503020204020204" pitchFamily="34" charset="-122"/>
+            </a:endParaRPr>
+          </a:p>
+          <a:p>
+            <a:pPr marL="742950" lvl="1" indent="-285750">
+              <a:lnSpc>
+                <a:spcPct val="150000"/>
+              </a:lnSpc>
+              <a:buFont typeface="Arial" panose="020B0604020202020204" pitchFamily="34" charset="0"/>
+              <a:buChar char="•"/>
+            </a:pPr>
+            <a:r>
+              <a:rPr lang="zh-CN" altLang="en-US" sz="1600" dirty="0" smtClean="0">
+                <a:latin typeface="微软雅黑" panose="020B0503020204020204" pitchFamily="34" charset="-122"/>
+                <a:ea typeface="微软雅黑" panose="020B0503020204020204" pitchFamily="34" charset="-122"/>
+              </a:rPr>
+              <a:t>总结；</a:t>
+            </a:r>
+            <a:r>
+              <a:rPr lang="zh-CN" altLang="en-US" sz="1600" dirty="0" smtClean="0">
+                <a:latin typeface="微软雅黑" panose="020B0503020204020204" pitchFamily="34" charset="-122"/>
+                <a:ea typeface="微软雅黑" panose="020B0503020204020204" pitchFamily="34" charset="-122"/>
+              </a:rPr>
+              <a:t>改进的方案，</a:t>
+            </a:r>
+            <a:r>
+              <a:rPr lang="en-US" altLang="zh-CN" sz="1600" dirty="0" smtClean="0">
                 <a:latin typeface="微软雅黑" panose="020B0503020204020204" pitchFamily="34" charset="-122"/>
                 <a:ea typeface="微软雅黑" panose="020B0503020204020204" pitchFamily="34" charset="-122"/>
               </a:rPr>
               <a:t>word2vec</a:t>
             </a:r>
             <a:r>
-              <a:rPr lang="zh-CN" altLang="en-US" dirty="0" smtClean="0">
+              <a:rPr lang="zh-CN" altLang="en-US" sz="1600" dirty="0" smtClean="0">
                 <a:latin typeface="微软雅黑" panose="020B0503020204020204" pitchFamily="34" charset="-122"/>
                 <a:ea typeface="微软雅黑" panose="020B0503020204020204" pitchFamily="34" charset="-122"/>
               </a:rPr>
               <a:t>扩充语义信息，采用其他的聚类方法）</a:t>
             </a:r>
-            <a:endParaRPr lang="en-US" altLang="zh-CN" dirty="0" smtClean="0">
+            <a:endParaRPr lang="en-US" altLang="zh-CN" sz="1600" dirty="0" smtClean="0">
               <a:latin typeface="微软雅黑" panose="020B0503020204020204" pitchFamily="34" charset="-122"/>
               <a:ea typeface="微软雅黑" panose="020B0503020204020204" pitchFamily="34" charset="-122"/>
             </a:endParaRPr>
@@ -8355,7 +8586,14 @@
                 <a:latin typeface="微软雅黑" panose="020B0503020204020204" pitchFamily="34" charset="-122"/>
                 <a:ea typeface="微软雅黑" panose="020B0503020204020204" pitchFamily="34" charset="-122"/>
               </a:rPr>
-              <a:t>GitHub: https://github.com/pku601/TODO</a:t>
+              <a:t>GitHub: </a:t>
+            </a:r>
+            <a:r>
+              <a:rPr lang="en-US" altLang="zh-CN" dirty="0">
+                <a:latin typeface="微软雅黑" panose="020B0503020204020204" pitchFamily="34" charset="-122"/>
+                <a:ea typeface="微软雅黑" panose="020B0503020204020204" pitchFamily="34" charset="-122"/>
+              </a:rPr>
+              <a:t>https://github.com/pku601/WePS2Clustering</a:t>
             </a:r>
             <a:endParaRPr lang="zh-CN" altLang="en-US" dirty="0">
               <a:latin typeface="微软雅黑" panose="020B0503020204020204" pitchFamily="34" charset="-122"/>
@@ -8639,14 +8877,14 @@
           <p:nvPr>
             <p:extLst>
               <p:ext uri="{D42A27DB-BD31-4B8C-83A1-F6EECF244321}">
-                <p14:modId xmlns:p14="http://schemas.microsoft.com/office/powerpoint/2010/main" val="2404401979"/>
+                <p14:modId xmlns:p14="http://schemas.microsoft.com/office/powerpoint/2010/main" val="3658706967"/>
               </p:ext>
             </p:extLst>
           </p:nvPr>
         </p:nvGraphicFramePr>
         <p:xfrm>
-          <a:off x="1552575" y="2696308"/>
-          <a:ext cx="5934075" cy="1483360"/>
+          <a:off x="1345475" y="2696308"/>
+          <a:ext cx="6141176" cy="1483360"/>
         </p:xfrm>
         <a:graphic>
           <a:graphicData uri="http://schemas.openxmlformats.org/drawingml/2006/table">
@@ -8655,11 +8893,11 @@
                 <a:tableStyleId>{7E9639D4-E3E2-4D34-9284-5A2195B3D0D7}</a:tableStyleId>
               </a:tblPr>
               <a:tblGrid>
-                <a:gridCol w="1091826"/>
-                <a:gridCol w="1003644"/>
-                <a:gridCol w="695400"/>
-                <a:gridCol w="2333580"/>
-                <a:gridCol w="809625"/>
+                <a:gridCol w="1129931"/>
+                <a:gridCol w="1038671"/>
+                <a:gridCol w="719670"/>
+                <a:gridCol w="2415023"/>
+                <a:gridCol w="837881"/>
               </a:tblGrid>
               <a:tr h="370840">
                 <a:tc>
@@ -9082,8 +9320,8 @@
           </a:p>
         </p:txBody>
       </p:sp>
-      <mc:AlternateContent xmlns:mc="http://schemas.openxmlformats.org/markup-compatibility/2006">
-        <mc:Choice xmlns:a14="http://schemas.microsoft.com/office/drawing/2010/main" Requires="a14">
+      <mc:AlternateContent xmlns:mc="http://schemas.openxmlformats.org/markup-compatibility/2006" xmlns:a14="http://schemas.microsoft.com/office/drawing/2010/main">
+        <mc:Choice Requires="a14">
           <p:sp>
             <p:nvSpPr>
               <p:cNvPr id="8" name="文本框 7"/>
@@ -10122,7 +10360,7 @@
             </p:txBody>
           </p:sp>
         </mc:Choice>
-        <mc:Fallback>
+        <mc:Fallback xmlns="">
           <p:sp>
             <p:nvSpPr>
               <p:cNvPr id="8" name="文本框 7"/>
@@ -10667,7 +10905,7 @@
           <p:nvPr>
             <p:extLst>
               <p:ext uri="{D42A27DB-BD31-4B8C-83A1-F6EECF244321}">
-                <p14:modId xmlns:p14="http://schemas.microsoft.com/office/powerpoint/2010/main" val="454365392"/>
+                <p14:modId xmlns:p14="http://schemas.microsoft.com/office/powerpoint/2010/main" val="3448248139"/>
               </p:ext>
             </p:extLst>
           </p:nvPr>
@@ -10683,8 +10921,8 @@
                 <a:tableStyleId>{793D81CF-94F2-401A-BA57-92F5A7B2D0C5}</a:tableStyleId>
               </a:tblPr>
               <a:tblGrid>
-                <a:gridCol w="840484"/>
-                <a:gridCol w="1465459"/>
+                <a:gridCol w="840377"/>
+                <a:gridCol w="1465566"/>
                 <a:gridCol w="678853"/>
                 <a:gridCol w="689628"/>
                 <a:gridCol w="2214747"/>
